--- a/tiny_owl/tiny_owl [Autosaved].pptx
+++ b/tiny_owl/tiny_owl [Autosaved].pptx
@@ -10,10 +10,11 @@
     <p:sldId id="261" r:id="rId4"/>
     <p:sldId id="257" r:id="rId5"/>
     <p:sldId id="258" r:id="rId6"/>
-    <p:sldId id="259" r:id="rId7"/>
-    <p:sldId id="262" r:id="rId8"/>
-    <p:sldId id="263" r:id="rId9"/>
-    <p:sldId id="260" r:id="rId10"/>
+    <p:sldId id="263" r:id="rId7"/>
+    <p:sldId id="265" r:id="rId8"/>
+    <p:sldId id="259" r:id="rId9"/>
+    <p:sldId id="262" r:id="rId10"/>
+    <p:sldId id="260" r:id="rId11"/>
   </p:sldIdLst>
   <p:sldSz cx="12192000" cy="6858000"/>
   <p:notesSz cx="6858000" cy="9144000"/>
@@ -269,7 +270,7 @@
           <a:p>
             <a:fld id="{52537C69-AD64-4307-B003-E2BBD8E8AC12}" type="datetimeFigureOut">
               <a:rPr lang="en-IN" smtClean="0"/>
-              <a:t>14-06-2021</a:t>
+              <a:t>15-06-2021</a:t>
             </a:fld>
             <a:endParaRPr lang="en-IN" dirty="0"/>
           </a:p>
@@ -469,7 +470,7 @@
           <a:p>
             <a:fld id="{52537C69-AD64-4307-B003-E2BBD8E8AC12}" type="datetimeFigureOut">
               <a:rPr lang="en-IN" smtClean="0"/>
-              <a:t>14-06-2021</a:t>
+              <a:t>15-06-2021</a:t>
             </a:fld>
             <a:endParaRPr lang="en-IN" dirty="0"/>
           </a:p>
@@ -679,7 +680,7 @@
           <a:p>
             <a:fld id="{52537C69-AD64-4307-B003-E2BBD8E8AC12}" type="datetimeFigureOut">
               <a:rPr lang="en-IN" smtClean="0"/>
-              <a:t>14-06-2021</a:t>
+              <a:t>15-06-2021</a:t>
             </a:fld>
             <a:endParaRPr lang="en-IN" dirty="0"/>
           </a:p>
@@ -879,7 +880,7 @@
           <a:p>
             <a:fld id="{52537C69-AD64-4307-B003-E2BBD8E8AC12}" type="datetimeFigureOut">
               <a:rPr lang="en-IN" smtClean="0"/>
-              <a:t>14-06-2021</a:t>
+              <a:t>15-06-2021</a:t>
             </a:fld>
             <a:endParaRPr lang="en-IN" dirty="0"/>
           </a:p>
@@ -1155,7 +1156,7 @@
           <a:p>
             <a:fld id="{52537C69-AD64-4307-B003-E2BBD8E8AC12}" type="datetimeFigureOut">
               <a:rPr lang="en-IN" smtClean="0"/>
-              <a:t>14-06-2021</a:t>
+              <a:t>15-06-2021</a:t>
             </a:fld>
             <a:endParaRPr lang="en-IN" dirty="0"/>
           </a:p>
@@ -1423,7 +1424,7 @@
           <a:p>
             <a:fld id="{52537C69-AD64-4307-B003-E2BBD8E8AC12}" type="datetimeFigureOut">
               <a:rPr lang="en-IN" smtClean="0"/>
-              <a:t>14-06-2021</a:t>
+              <a:t>15-06-2021</a:t>
             </a:fld>
             <a:endParaRPr lang="en-IN" dirty="0"/>
           </a:p>
@@ -1838,7 +1839,7 @@
           <a:p>
             <a:fld id="{52537C69-AD64-4307-B003-E2BBD8E8AC12}" type="datetimeFigureOut">
               <a:rPr lang="en-IN" smtClean="0"/>
-              <a:t>14-06-2021</a:t>
+              <a:t>15-06-2021</a:t>
             </a:fld>
             <a:endParaRPr lang="en-IN" dirty="0"/>
           </a:p>
@@ -1980,7 +1981,7 @@
           <a:p>
             <a:fld id="{52537C69-AD64-4307-B003-E2BBD8E8AC12}" type="datetimeFigureOut">
               <a:rPr lang="en-IN" smtClean="0"/>
-              <a:t>14-06-2021</a:t>
+              <a:t>15-06-2021</a:t>
             </a:fld>
             <a:endParaRPr lang="en-IN" dirty="0"/>
           </a:p>
@@ -2093,7 +2094,7 @@
           <a:p>
             <a:fld id="{52537C69-AD64-4307-B003-E2BBD8E8AC12}" type="datetimeFigureOut">
               <a:rPr lang="en-IN" smtClean="0"/>
-              <a:t>14-06-2021</a:t>
+              <a:t>15-06-2021</a:t>
             </a:fld>
             <a:endParaRPr lang="en-IN" dirty="0"/>
           </a:p>
@@ -2406,7 +2407,7 @@
           <a:p>
             <a:fld id="{52537C69-AD64-4307-B003-E2BBD8E8AC12}" type="datetimeFigureOut">
               <a:rPr lang="en-IN" smtClean="0"/>
-              <a:t>14-06-2021</a:t>
+              <a:t>15-06-2021</a:t>
             </a:fld>
             <a:endParaRPr lang="en-IN" dirty="0"/>
           </a:p>
@@ -2695,7 +2696,7 @@
           <a:p>
             <a:fld id="{52537C69-AD64-4307-B003-E2BBD8E8AC12}" type="datetimeFigureOut">
               <a:rPr lang="en-IN" smtClean="0"/>
-              <a:t>14-06-2021</a:t>
+              <a:t>15-06-2021</a:t>
             </a:fld>
             <a:endParaRPr lang="en-IN" dirty="0"/>
           </a:p>
@@ -2938,7 +2939,7 @@
           <a:p>
             <a:fld id="{52537C69-AD64-4307-B003-E2BBD8E8AC12}" type="datetimeFigureOut">
               <a:rPr lang="en-IN" smtClean="0"/>
-              <a:t>14-06-2021</a:t>
+              <a:t>15-06-2021</a:t>
             </a:fld>
             <a:endParaRPr lang="en-IN" dirty="0"/>
           </a:p>
@@ -3520,6 +3521,204 @@
 </p:sld>
 </file>
 
+<file path=ppt/slides/slide10.xml><?xml version="1.0" encoding="utf-8"?>
+<p:sld xmlns:a="http://schemas.openxmlformats.org/drawingml/2006/main" xmlns:r="http://schemas.openxmlformats.org/officeDocument/2006/relationships" xmlns:p="http://schemas.openxmlformats.org/presentationml/2006/main">
+  <p:cSld>
+    <p:spTree>
+      <p:nvGrpSpPr>
+        <p:cNvPr id="1" name=""/>
+        <p:cNvGrpSpPr/>
+        <p:nvPr/>
+      </p:nvGrpSpPr>
+      <p:grpSpPr>
+        <a:xfrm>
+          <a:off x="0" y="0"/>
+          <a:ext cx="0" cy="0"/>
+          <a:chOff x="0" y="0"/>
+          <a:chExt cx="0" cy="0"/>
+        </a:xfrm>
+      </p:grpSpPr>
+      <p:sp>
+        <p:nvSpPr>
+          <p:cNvPr id="3" name="TextBox 2">
+            <a:extLst>
+              <a:ext uri="{FF2B5EF4-FFF2-40B4-BE49-F238E27FC236}">
+                <a16:creationId xmlns:a16="http://schemas.microsoft.com/office/drawing/2014/main" id="{632E1DBC-7E71-42F5-85FC-7C07E66BDA6E}"/>
+              </a:ext>
+            </a:extLst>
+          </p:cNvPr>
+          <p:cNvSpPr txBox="1"/>
+          <p:nvPr/>
+        </p:nvSpPr>
+        <p:spPr>
+          <a:xfrm>
+            <a:off x="1097281" y="665017"/>
+            <a:ext cx="9490363" cy="3416320"/>
+          </a:xfrm>
+          <a:prstGeom prst="rect">
+            <a:avLst/>
+          </a:prstGeom>
+          <a:noFill/>
+        </p:spPr>
+        <p:txBody>
+          <a:bodyPr wrap="square">
+            <a:spAutoFit/>
+          </a:bodyPr>
+          <a:lstStyle/>
+          <a:p>
+            <a:r>
+              <a:rPr lang="en-US" dirty="0"/>
+              <a:t>In September 2015, TinyOwl had fired 100 employees in its Mumbai and Pune offices.</a:t>
+            </a:r>
+          </a:p>
+          <a:p>
+            <a:endParaRPr lang="en-US" dirty="0"/>
+          </a:p>
+          <a:p>
+            <a:r>
+              <a:rPr lang="en-US" b="0" i="0" dirty="0">
+                <a:solidFill>
+                  <a:srgbClr val="222222"/>
+                </a:solidFill>
+                <a:effectLst/>
+                <a:latin typeface="proximanova"/>
+              </a:rPr>
+              <a:t>Tiny Owl and Runner two of the most well funded on-demand startups in 2015 </a:t>
+            </a:r>
+            <a:r>
+              <a:rPr lang="en-US" b="0" i="0" dirty="0" err="1">
+                <a:solidFill>
+                  <a:srgbClr val="222222"/>
+                </a:solidFill>
+                <a:effectLst/>
+                <a:latin typeface="proximanova"/>
+              </a:rPr>
+              <a:t>havin</a:t>
+            </a:r>
+            <a:r>
+              <a:rPr lang="en-US" b="0" i="0" dirty="0">
+                <a:solidFill>
+                  <a:srgbClr val="222222"/>
+                </a:solidFill>
+                <a:effectLst/>
+                <a:latin typeface="proximanova"/>
+              </a:rPr>
+              <a:t> having collectively raised more than $50 million from investors like Sequoia Capital, Nexus Venture Partners and Matrix Partners.</a:t>
+            </a:r>
+            <a:br>
+              <a:rPr lang="en-US" dirty="0"/>
+            </a:br>
+            <a:endParaRPr lang="en-US" dirty="0"/>
+          </a:p>
+          <a:p>
+            <a:r>
+              <a:rPr lang="en-US" dirty="0"/>
+              <a:t>June 2016 Roadrunner acquired Tiny Owl, then rebranded itself as </a:t>
+            </a:r>
+            <a:r>
+              <a:rPr lang="en-US" dirty="0" err="1"/>
+              <a:t>Runnr</a:t>
+            </a:r>
+            <a:r>
+              <a:rPr lang="en-US" dirty="0"/>
+              <a:t>.</a:t>
+            </a:r>
+          </a:p>
+          <a:p>
+            <a:endParaRPr lang="en-US" dirty="0"/>
+          </a:p>
+          <a:p>
+            <a:r>
+              <a:rPr lang="en-US" dirty="0"/>
+              <a:t>September 2017 Zomato acquired Runner for </a:t>
+            </a:r>
+            <a:r>
+              <a:rPr lang="en-US" b="0" i="0" dirty="0">
+                <a:solidFill>
+                  <a:srgbClr val="222222"/>
+                </a:solidFill>
+                <a:effectLst/>
+                <a:latin typeface="proximanova"/>
+              </a:rPr>
+              <a:t>$40 million.</a:t>
+            </a:r>
+            <a:endParaRPr lang="en-US" dirty="0"/>
+          </a:p>
+          <a:p>
+            <a:endParaRPr lang="en-US" dirty="0"/>
+          </a:p>
+          <a:p>
+            <a:endParaRPr lang="en-US" dirty="0"/>
+          </a:p>
+          <a:p>
+            <a:r>
+              <a:rPr lang="en-US" dirty="0"/>
+              <a:t> </a:t>
+            </a:r>
+            <a:endParaRPr lang="en-IN" dirty="0"/>
+          </a:p>
+        </p:txBody>
+      </p:sp>
+      <p:pic>
+        <p:nvPicPr>
+          <p:cNvPr id="1026" name="Picture 2" descr="Zomato acquires Runnr | QuezX Bytes">
+            <a:extLst>
+              <a:ext uri="{FF2B5EF4-FFF2-40B4-BE49-F238E27FC236}">
+                <a16:creationId xmlns:a16="http://schemas.microsoft.com/office/drawing/2014/main" id="{5F767006-D2AD-49B4-9809-0BB75670D9E9}"/>
+              </a:ext>
+            </a:extLst>
+          </p:cNvPr>
+          <p:cNvPicPr>
+            <a:picLocks noChangeAspect="1" noChangeArrowheads="1"/>
+          </p:cNvPicPr>
+          <p:nvPr/>
+        </p:nvPicPr>
+        <p:blipFill>
+          <a:blip r:embed="rId2">
+            <a:extLst>
+              <a:ext uri="{28A0092B-C50C-407E-A947-70E740481C1C}">
+                <a14:useLocalDpi xmlns:a14="http://schemas.microsoft.com/office/drawing/2010/main" val="0"/>
+              </a:ext>
+            </a:extLst>
+          </a:blip>
+          <a:srcRect/>
+          <a:stretch>
+            <a:fillRect/>
+          </a:stretch>
+        </p:blipFill>
+        <p:spPr bwMode="auto">
+          <a:xfrm>
+            <a:off x="7960317" y="3429000"/>
+            <a:ext cx="2370497" cy="3052913"/>
+          </a:xfrm>
+          <a:prstGeom prst="rect">
+            <a:avLst/>
+          </a:prstGeom>
+          <a:noFill/>
+          <a:extLst>
+            <a:ext uri="{909E8E84-426E-40DD-AFC4-6F175D3DCCD1}">
+              <a14:hiddenFill xmlns:a14="http://schemas.microsoft.com/office/drawing/2010/main">
+                <a:solidFill>
+                  <a:srgbClr val="FFFFFF"/>
+                </a:solidFill>
+              </a14:hiddenFill>
+            </a:ext>
+          </a:extLst>
+        </p:spPr>
+      </p:pic>
+    </p:spTree>
+    <p:extLst>
+      <p:ext uri="{BB962C8B-B14F-4D97-AF65-F5344CB8AC3E}">
+        <p14:creationId xmlns:p14="http://schemas.microsoft.com/office/powerpoint/2010/main" val="718522690"/>
+      </p:ext>
+    </p:extLst>
+  </p:cSld>
+  <p:clrMapOvr>
+    <a:masterClrMapping/>
+  </p:clrMapOvr>
+</p:sld>
+</file>
+
 <file path=ppt/slides/slide2.xml><?xml version="1.0" encoding="utf-8"?>
 <p:sld xmlns:a="http://schemas.openxmlformats.org/drawingml/2006/main" xmlns:r="http://schemas.openxmlformats.org/officeDocument/2006/relationships" xmlns:p="http://schemas.openxmlformats.org/presentationml/2006/main">
   <p:cSld>
@@ -5208,630 +5407,6 @@
           <a:chExt cx="0" cy="0"/>
         </a:xfrm>
       </p:grpSpPr>
-      <p:sp>
-        <p:nvSpPr>
-          <p:cNvPr id="3" name="TextBox 2">
-            <a:extLst>
-              <a:ext uri="{FF2B5EF4-FFF2-40B4-BE49-F238E27FC236}">
-                <a16:creationId xmlns:a16="http://schemas.microsoft.com/office/drawing/2014/main" id="{666E6E09-D560-4027-B14D-CBB354B17C97}"/>
-              </a:ext>
-            </a:extLst>
-          </p:cNvPr>
-          <p:cNvSpPr txBox="1"/>
-          <p:nvPr/>
-        </p:nvSpPr>
-        <p:spPr>
-          <a:xfrm>
-            <a:off x="577514" y="198689"/>
-            <a:ext cx="11036968" cy="923330"/>
-          </a:xfrm>
-          <a:prstGeom prst="rect">
-            <a:avLst/>
-          </a:prstGeom>
-          <a:noFill/>
-        </p:spPr>
-        <p:txBody>
-          <a:bodyPr wrap="square">
-            <a:spAutoFit/>
-          </a:bodyPr>
-          <a:lstStyle/>
-          <a:p>
-            <a:pPr algn="l"/>
-            <a:r>
-              <a:rPr lang="en-US" b="0" i="0" dirty="0">
-                <a:solidFill>
-                  <a:srgbClr val="292929"/>
-                </a:solidFill>
-                <a:effectLst/>
-                <a:latin typeface="charter"/>
-              </a:rPr>
-              <a:t> Ever since it committed the sin of over-hiring, it was preparing for its destruction. Over-hiring is a common mistake with startups.</a:t>
-            </a:r>
-          </a:p>
-          <a:p>
-            <a:pPr algn="l"/>
-            <a:r>
-              <a:rPr lang="en-US" b="0" i="0" dirty="0">
-                <a:solidFill>
-                  <a:srgbClr val="292929"/>
-                </a:solidFill>
-                <a:effectLst/>
-                <a:latin typeface="charter"/>
-              </a:rPr>
-              <a:t>Though it fired 300 employees in September 2015, the already hidden misfortune continued to haunt.</a:t>
-            </a:r>
-          </a:p>
-        </p:txBody>
-      </p:sp>
-      <p:sp>
-        <p:nvSpPr>
-          <p:cNvPr id="5" name="TextBox 4">
-            <a:extLst>
-              <a:ext uri="{FF2B5EF4-FFF2-40B4-BE49-F238E27FC236}">
-                <a16:creationId xmlns:a16="http://schemas.microsoft.com/office/drawing/2014/main" id="{560DBBFE-FCC1-4DD1-982B-6D98D7D6626E}"/>
-              </a:ext>
-            </a:extLst>
-          </p:cNvPr>
-          <p:cNvSpPr txBox="1"/>
-          <p:nvPr/>
-        </p:nvSpPr>
-        <p:spPr>
-          <a:xfrm>
-            <a:off x="577514" y="1097273"/>
-            <a:ext cx="11036967" cy="646331"/>
-          </a:xfrm>
-          <a:prstGeom prst="rect">
-            <a:avLst/>
-          </a:prstGeom>
-          <a:noFill/>
-        </p:spPr>
-        <p:txBody>
-          <a:bodyPr wrap="square">
-            <a:spAutoFit/>
-          </a:bodyPr>
-          <a:lstStyle/>
-          <a:p>
-            <a:r>
-              <a:rPr lang="en-US" b="0" i="0" dirty="0">
-                <a:solidFill>
-                  <a:srgbClr val="292929"/>
-                </a:solidFill>
-                <a:effectLst/>
-                <a:latin typeface="charter"/>
-              </a:rPr>
-              <a:t> In November 2015, it initiated the second round of cuts. </a:t>
-            </a:r>
-            <a:r>
-              <a:rPr lang="en-US" b="0" i="0" dirty="0" err="1">
-                <a:solidFill>
-                  <a:srgbClr val="292929"/>
-                </a:solidFill>
-                <a:effectLst/>
-                <a:latin typeface="charter"/>
-              </a:rPr>
-              <a:t>Mandad</a:t>
-            </a:r>
-            <a:r>
-              <a:rPr lang="en-US" b="0" i="0" dirty="0">
-                <a:solidFill>
-                  <a:srgbClr val="292929"/>
-                </a:solidFill>
-                <a:effectLst/>
-                <a:latin typeface="charter"/>
-              </a:rPr>
-              <a:t> was advised not to retrench so close to Diwali. But the cuts were announced. And that was the second sin by TinyOwl.</a:t>
-            </a:r>
-            <a:endParaRPr lang="en-IN" dirty="0"/>
-          </a:p>
-        </p:txBody>
-      </p:sp>
-      <p:sp>
-        <p:nvSpPr>
-          <p:cNvPr id="7" name="TextBox 6">
-            <a:extLst>
-              <a:ext uri="{FF2B5EF4-FFF2-40B4-BE49-F238E27FC236}">
-                <a16:creationId xmlns:a16="http://schemas.microsoft.com/office/drawing/2014/main" id="{B5A47C4A-CA03-4C06-98FA-41A89CAC1B4D}"/>
-              </a:ext>
-            </a:extLst>
-          </p:cNvPr>
-          <p:cNvSpPr txBox="1"/>
-          <p:nvPr/>
-        </p:nvSpPr>
-        <p:spPr>
-          <a:xfrm>
-            <a:off x="577514" y="1743604"/>
-            <a:ext cx="11036967" cy="1200329"/>
-          </a:xfrm>
-          <a:prstGeom prst="rect">
-            <a:avLst/>
-          </a:prstGeom>
-          <a:noFill/>
-        </p:spPr>
-        <p:txBody>
-          <a:bodyPr wrap="square">
-            <a:spAutoFit/>
-          </a:bodyPr>
-          <a:lstStyle/>
-          <a:p>
-            <a:pPr algn="l"/>
-            <a:r>
-              <a:rPr lang="en-US" b="0" i="0" dirty="0">
-                <a:solidFill>
-                  <a:srgbClr val="292929"/>
-                </a:solidFill>
-                <a:effectLst/>
-                <a:latin typeface="charter"/>
-              </a:rPr>
-              <a:t>It went to do a dish-based aggregation system. That was like if you open the app — it will tell you what’s today’s dish, and would give you options on where you could order it from.</a:t>
-            </a:r>
-          </a:p>
-          <a:p>
-            <a:pPr algn="l"/>
-            <a:r>
-              <a:rPr lang="en-US" b="0" i="0" dirty="0">
-                <a:solidFill>
-                  <a:srgbClr val="292929"/>
-                </a:solidFill>
-                <a:effectLst/>
-                <a:latin typeface="charter"/>
-              </a:rPr>
-              <a:t>The idea turned wrong due to lack of technical aspects. There was hardly any artificial intelligence used, no data analytics were there and the pivot tanked with just less than five orders a day.</a:t>
-            </a:r>
-          </a:p>
-        </p:txBody>
-      </p:sp>
-      <p:sp>
-        <p:nvSpPr>
-          <p:cNvPr id="9" name="TextBox 8">
-            <a:extLst>
-              <a:ext uri="{FF2B5EF4-FFF2-40B4-BE49-F238E27FC236}">
-                <a16:creationId xmlns:a16="http://schemas.microsoft.com/office/drawing/2014/main" id="{702CC031-3D64-4E9B-BD4E-D11DE7A627C0}"/>
-              </a:ext>
-            </a:extLst>
-          </p:cNvPr>
-          <p:cNvSpPr txBox="1"/>
-          <p:nvPr/>
-        </p:nvSpPr>
-        <p:spPr>
-          <a:xfrm>
-            <a:off x="577513" y="2990738"/>
-            <a:ext cx="11036967" cy="646331"/>
-          </a:xfrm>
-          <a:prstGeom prst="rect">
-            <a:avLst/>
-          </a:prstGeom>
-          <a:noFill/>
-        </p:spPr>
-        <p:txBody>
-          <a:bodyPr wrap="square">
-            <a:spAutoFit/>
-          </a:bodyPr>
-          <a:lstStyle/>
-          <a:p>
-            <a:r>
-              <a:rPr lang="en-US" b="0" i="0" dirty="0">
-                <a:solidFill>
-                  <a:srgbClr val="292929"/>
-                </a:solidFill>
-                <a:effectLst/>
-                <a:latin typeface="charter"/>
-              </a:rPr>
-              <a:t>At the end of 2015, TinyOwl made its sin number four. It hired a chief technology officer. Akash Saxena joined Tiny Owl as its CTO for Rs 1.5 crores a year and a joining bonus of Rs 50 lakhs.</a:t>
-            </a:r>
-            <a:endParaRPr lang="en-IN" dirty="0"/>
-          </a:p>
-        </p:txBody>
-      </p:sp>
-      <p:sp>
-        <p:nvSpPr>
-          <p:cNvPr id="11" name="TextBox 10">
-            <a:extLst>
-              <a:ext uri="{FF2B5EF4-FFF2-40B4-BE49-F238E27FC236}">
-                <a16:creationId xmlns:a16="http://schemas.microsoft.com/office/drawing/2014/main" id="{63CCFF6F-E3A4-4B2C-8CBD-8BA331353B64}"/>
-              </a:ext>
-            </a:extLst>
-          </p:cNvPr>
-          <p:cNvSpPr txBox="1"/>
-          <p:nvPr/>
-        </p:nvSpPr>
-        <p:spPr>
-          <a:xfrm>
-            <a:off x="577513" y="3612323"/>
-            <a:ext cx="11036966" cy="1200329"/>
-          </a:xfrm>
-          <a:prstGeom prst="rect">
-            <a:avLst/>
-          </a:prstGeom>
-          <a:noFill/>
-        </p:spPr>
-        <p:txBody>
-          <a:bodyPr wrap="square">
-            <a:spAutoFit/>
-          </a:bodyPr>
-          <a:lstStyle/>
-          <a:p>
-            <a:pPr algn="l"/>
-            <a:r>
-              <a:rPr lang="en-US" b="0" i="0" dirty="0">
-                <a:solidFill>
-                  <a:srgbClr val="292929"/>
-                </a:solidFill>
-                <a:effectLst/>
-                <a:latin typeface="charter"/>
-              </a:rPr>
-              <a:t> Right at the beginning of 2016, it began preparation for sin number five — An area-based food aggregation, similar to what </a:t>
-            </a:r>
-            <a:r>
-              <a:rPr lang="en-US" b="0" i="0" dirty="0" err="1">
-                <a:solidFill>
-                  <a:srgbClr val="292929"/>
-                </a:solidFill>
-                <a:effectLst/>
-                <a:latin typeface="charter"/>
-              </a:rPr>
-              <a:t>Grofers</a:t>
-            </a:r>
-            <a:r>
-              <a:rPr lang="en-US" b="0" i="0" dirty="0">
-                <a:solidFill>
-                  <a:srgbClr val="292929"/>
-                </a:solidFill>
-                <a:effectLst/>
-                <a:latin typeface="charter"/>
-              </a:rPr>
-              <a:t> runs in the grocery.</a:t>
-            </a:r>
-          </a:p>
-          <a:p>
-            <a:pPr algn="l"/>
-            <a:r>
-              <a:rPr lang="en-US" b="0" i="0" dirty="0">
-                <a:solidFill>
-                  <a:srgbClr val="292929"/>
-                </a:solidFill>
-                <a:effectLst/>
-                <a:latin typeface="charter"/>
-              </a:rPr>
-              <a:t>In this model, TinyOwl had to pay for the logistics of gathering the food from various restaurants. That cost too much for the poor kid.</a:t>
-            </a:r>
-          </a:p>
-        </p:txBody>
-      </p:sp>
-      <p:sp>
-        <p:nvSpPr>
-          <p:cNvPr id="13" name="TextBox 12">
-            <a:extLst>
-              <a:ext uri="{FF2B5EF4-FFF2-40B4-BE49-F238E27FC236}">
-                <a16:creationId xmlns:a16="http://schemas.microsoft.com/office/drawing/2014/main" id="{A04440AC-18F8-4606-BF91-0114C24E3789}"/>
-              </a:ext>
-            </a:extLst>
-          </p:cNvPr>
-          <p:cNvSpPr txBox="1"/>
-          <p:nvPr/>
-        </p:nvSpPr>
-        <p:spPr>
-          <a:xfrm>
-            <a:off x="577513" y="4891562"/>
-            <a:ext cx="11036966" cy="646331"/>
-          </a:xfrm>
-          <a:prstGeom prst="rect">
-            <a:avLst/>
-          </a:prstGeom>
-          <a:noFill/>
-        </p:spPr>
-        <p:txBody>
-          <a:bodyPr wrap="square">
-            <a:spAutoFit/>
-          </a:bodyPr>
-          <a:lstStyle/>
-          <a:p>
-            <a:r>
-              <a:rPr lang="en-US" b="0" i="0" dirty="0">
-                <a:solidFill>
-                  <a:srgbClr val="292929"/>
-                </a:solidFill>
-                <a:effectLst/>
-                <a:latin typeface="charter"/>
-              </a:rPr>
-              <a:t>For the area-based food aggregation plan, more cash was required and all head of the departments were told to find new jobs. Thus Homemade, the only arm of TinyOwl broke and dissolved.</a:t>
-            </a:r>
-            <a:endParaRPr lang="en-IN" dirty="0"/>
-          </a:p>
-        </p:txBody>
-      </p:sp>
-    </p:spTree>
-    <p:extLst>
-      <p:ext uri="{BB962C8B-B14F-4D97-AF65-F5344CB8AC3E}">
-        <p14:creationId xmlns:p14="http://schemas.microsoft.com/office/powerpoint/2010/main" val="3857551716"/>
-      </p:ext>
-    </p:extLst>
-  </p:cSld>
-  <p:clrMapOvr>
-    <a:masterClrMapping/>
-  </p:clrMapOvr>
-</p:sld>
-</file>
-
-<file path=ppt/slides/slide7.xml><?xml version="1.0" encoding="utf-8"?>
-<p:sld xmlns:a="http://schemas.openxmlformats.org/drawingml/2006/main" xmlns:r="http://schemas.openxmlformats.org/officeDocument/2006/relationships" xmlns:p="http://schemas.openxmlformats.org/presentationml/2006/main">
-  <p:cSld>
-    <p:spTree>
-      <p:nvGrpSpPr>
-        <p:cNvPr id="1" name=""/>
-        <p:cNvGrpSpPr/>
-        <p:nvPr/>
-      </p:nvGrpSpPr>
-      <p:grpSpPr>
-        <a:xfrm>
-          <a:off x="0" y="0"/>
-          <a:ext cx="0" cy="0"/>
-          <a:chOff x="0" y="0"/>
-          <a:chExt cx="0" cy="0"/>
-        </a:xfrm>
-      </p:grpSpPr>
-      <p:sp>
-        <p:nvSpPr>
-          <p:cNvPr id="3" name="TextBox 2">
-            <a:extLst>
-              <a:ext uri="{FF2B5EF4-FFF2-40B4-BE49-F238E27FC236}">
-                <a16:creationId xmlns:a16="http://schemas.microsoft.com/office/drawing/2014/main" id="{7374E476-D0B8-4A3B-8B42-AB010831E968}"/>
-              </a:ext>
-            </a:extLst>
-          </p:cNvPr>
-          <p:cNvSpPr txBox="1"/>
-          <p:nvPr/>
-        </p:nvSpPr>
-        <p:spPr>
-          <a:xfrm>
-            <a:off x="200526" y="244109"/>
-            <a:ext cx="11790947" cy="5355312"/>
-          </a:xfrm>
-          <a:prstGeom prst="rect">
-            <a:avLst/>
-          </a:prstGeom>
-          <a:noFill/>
-        </p:spPr>
-        <p:txBody>
-          <a:bodyPr wrap="square">
-            <a:spAutoFit/>
-          </a:bodyPr>
-          <a:lstStyle/>
-          <a:p>
-            <a:pPr algn="l"/>
-            <a:r>
-              <a:rPr lang="en-US" b="1" i="0" dirty="0">
-                <a:solidFill>
-                  <a:srgbClr val="292929"/>
-                </a:solidFill>
-                <a:effectLst/>
-                <a:latin typeface="charter"/>
-              </a:rPr>
-              <a:t>Only the Mumbai division was kept alive</a:t>
-            </a:r>
-            <a:endParaRPr lang="en-US" b="0" i="0" dirty="0">
-              <a:solidFill>
-                <a:srgbClr val="292929"/>
-              </a:solidFill>
-              <a:effectLst/>
-              <a:latin typeface="charter"/>
-            </a:endParaRPr>
-          </a:p>
-          <a:p>
-            <a:pPr algn="l"/>
-            <a:r>
-              <a:rPr lang="en-US" b="0" i="0" dirty="0">
-                <a:solidFill>
-                  <a:srgbClr val="292929"/>
-                </a:solidFill>
-                <a:effectLst/>
-                <a:latin typeface="charter"/>
-              </a:rPr>
-              <a:t>With a negative profit margin, high costs of delivery and customer acquisition, the overstaffed and lavish offices began mass layoffs. It soon had to shut down operations in every city except Mumbai.</a:t>
-            </a:r>
-          </a:p>
-          <a:p>
-            <a:pPr algn="l"/>
-            <a:r>
-              <a:rPr lang="en-US" b="0" i="0" dirty="0">
-                <a:solidFill>
-                  <a:srgbClr val="292929"/>
-                </a:solidFill>
-                <a:effectLst/>
-                <a:latin typeface="charter"/>
-              </a:rPr>
-              <a:t>Later, the company reports said it would only be active temporarily in Mumbai. The app didn’t let users access restaurants listed either in Delhi or Bangalore, its two other big markets.</a:t>
-            </a:r>
-          </a:p>
-          <a:p>
-            <a:pPr algn="l"/>
-            <a:r>
-              <a:rPr lang="en-US" b="0" i="0" dirty="0">
-                <a:solidFill>
-                  <a:srgbClr val="292929"/>
-                </a:solidFill>
-                <a:effectLst/>
-                <a:latin typeface="charter"/>
-              </a:rPr>
-              <a:t>There was a split between the founders and they left to different places. The breakdown in the relationship between employees and founders was well visible.</a:t>
-            </a:r>
-          </a:p>
-          <a:p>
-            <a:pPr algn="l"/>
-            <a:r>
-              <a:rPr lang="en-US" b="0" i="0" dirty="0">
-                <a:solidFill>
-                  <a:srgbClr val="292929"/>
-                </a:solidFill>
-                <a:effectLst/>
-                <a:latin typeface="charter"/>
-              </a:rPr>
-              <a:t>Fundraising then became a nightmare for TinyOwl. </a:t>
-            </a:r>
-            <a:r>
-              <a:rPr lang="en-US" b="0" i="0" dirty="0" err="1">
-                <a:solidFill>
-                  <a:srgbClr val="292929"/>
-                </a:solidFill>
-                <a:effectLst/>
-                <a:latin typeface="charter"/>
-              </a:rPr>
-              <a:t>Mandad</a:t>
-            </a:r>
-            <a:r>
-              <a:rPr lang="en-US" b="0" i="0" dirty="0">
-                <a:solidFill>
-                  <a:srgbClr val="292929"/>
-                </a:solidFill>
-                <a:effectLst/>
-                <a:latin typeface="charter"/>
-              </a:rPr>
-              <a:t> approached investors from across the world. Nobody was keen on funding the company. He then started approaching its rivals to buy out a portion of the company.</a:t>
-            </a:r>
-          </a:p>
-          <a:p>
-            <a:pPr algn="l"/>
-            <a:r>
-              <a:rPr lang="en-US" b="0" i="0" dirty="0">
-                <a:solidFill>
-                  <a:srgbClr val="292929"/>
-                </a:solidFill>
-                <a:effectLst/>
-                <a:latin typeface="charter"/>
-              </a:rPr>
-              <a:t>After an all-stock deal with the logistics startup Roadrunner, In May 2016, TinyOwl announced its merger. The two companies had mutual investors Sequoia Capital and Nexus Venture Partners.</a:t>
-            </a:r>
-          </a:p>
-          <a:p>
-            <a:pPr algn="l"/>
-            <a:r>
-              <a:rPr lang="en-US" b="0" i="0" dirty="0">
-                <a:solidFill>
-                  <a:srgbClr val="292929"/>
-                </a:solidFill>
-                <a:effectLst/>
-                <a:latin typeface="charter"/>
-              </a:rPr>
-              <a:t>The merged company now called </a:t>
-            </a:r>
-            <a:r>
-              <a:rPr lang="en-US" b="0" i="0" dirty="0" err="1">
-                <a:solidFill>
-                  <a:srgbClr val="292929"/>
-                </a:solidFill>
-                <a:effectLst/>
-                <a:latin typeface="charter"/>
-              </a:rPr>
-              <a:t>Runnr</a:t>
-            </a:r>
-            <a:r>
-              <a:rPr lang="en-US" b="0" i="0" dirty="0">
-                <a:solidFill>
-                  <a:srgbClr val="292929"/>
-                </a:solidFill>
-                <a:effectLst/>
-                <a:latin typeface="charter"/>
-              </a:rPr>
-              <a:t> itself was facing operational problems. It currently operates in Bangalore and Mumbai. Due to the high costs of running an operations-heavy business, </a:t>
-            </a:r>
-            <a:r>
-              <a:rPr lang="en-US" b="0" i="0" dirty="0" err="1">
-                <a:solidFill>
-                  <a:srgbClr val="292929"/>
-                </a:solidFill>
-                <a:effectLst/>
-                <a:latin typeface="charter"/>
-              </a:rPr>
-              <a:t>Runnr</a:t>
-            </a:r>
-            <a:r>
-              <a:rPr lang="en-US" b="0" i="0" dirty="0">
-                <a:solidFill>
-                  <a:srgbClr val="292929"/>
-                </a:solidFill>
-                <a:effectLst/>
-                <a:latin typeface="charter"/>
-              </a:rPr>
-              <a:t> continues struggling for its existence in a market dominated by food tech giants like </a:t>
-            </a:r>
-            <a:r>
-              <a:rPr lang="en-US" b="0" i="0" dirty="0" err="1">
-                <a:solidFill>
-                  <a:srgbClr val="292929"/>
-                </a:solidFill>
-                <a:effectLst/>
-                <a:latin typeface="charter"/>
-              </a:rPr>
-              <a:t>Swiggy</a:t>
-            </a:r>
-            <a:r>
-              <a:rPr lang="en-US" b="0" i="0" dirty="0">
-                <a:solidFill>
-                  <a:srgbClr val="292929"/>
-                </a:solidFill>
-                <a:effectLst/>
-                <a:latin typeface="charter"/>
-              </a:rPr>
-              <a:t> and Zomato.</a:t>
-            </a:r>
-          </a:p>
-          <a:p>
-            <a:pPr algn="l"/>
-            <a:r>
-              <a:rPr lang="en-US" b="0" i="0" dirty="0">
-                <a:solidFill>
-                  <a:srgbClr val="292929"/>
-                </a:solidFill>
-                <a:effectLst/>
-                <a:latin typeface="charter"/>
-              </a:rPr>
-              <a:t>Thus the Mumbai-based food tech business flew high and fell deep on the back of a few bad decisions. It failed to sustain amidst of chaos.</a:t>
-            </a:r>
-          </a:p>
-          <a:p>
-            <a:pPr algn="l"/>
-            <a:r>
-              <a:rPr lang="en-US" b="0" i="0" dirty="0">
-                <a:solidFill>
-                  <a:srgbClr val="292929"/>
-                </a:solidFill>
-                <a:effectLst/>
-                <a:latin typeface="charter"/>
-              </a:rPr>
-              <a:t>There are many startups out there that had to withdraw on their midway. The rise and fall of TinyOwl set a lesson to be learnt for the Indian startup community. The challenges and inefficiencies in running an operations-intensive business were quite evident in its miserable fate.</a:t>
-            </a:r>
-          </a:p>
-        </p:txBody>
-      </p:sp>
-    </p:spTree>
-    <p:extLst>
-      <p:ext uri="{BB962C8B-B14F-4D97-AF65-F5344CB8AC3E}">
-        <p14:creationId xmlns:p14="http://schemas.microsoft.com/office/powerpoint/2010/main" val="2119521124"/>
-      </p:ext>
-    </p:extLst>
-  </p:cSld>
-  <p:clrMapOvr>
-    <a:masterClrMapping/>
-  </p:clrMapOvr>
-</p:sld>
-</file>
-
-<file path=ppt/slides/slide8.xml><?xml version="1.0" encoding="utf-8"?>
-<p:sld xmlns:a="http://schemas.openxmlformats.org/drawingml/2006/main" xmlns:r="http://schemas.openxmlformats.org/officeDocument/2006/relationships" xmlns:p="http://schemas.openxmlformats.org/presentationml/2006/main">
-  <p:cSld>
-    <p:spTree>
-      <p:nvGrpSpPr>
-        <p:cNvPr id="1" name=""/>
-        <p:cNvGrpSpPr/>
-        <p:nvPr/>
-      </p:nvGrpSpPr>
-      <p:grpSpPr>
-        <a:xfrm>
-          <a:off x="0" y="0"/>
-          <a:ext cx="0" cy="0"/>
-          <a:chOff x="0" y="0"/>
-          <a:chExt cx="0" cy="0"/>
-        </a:xfrm>
-      </p:grpSpPr>
       <p:pic>
         <p:nvPicPr>
           <p:cNvPr id="3" name="Picture 2">
@@ -5881,6 +5456,494 @@
 </p:sld>
 </file>
 
+<file path=ppt/slides/slide7.xml><?xml version="1.0" encoding="utf-8"?>
+<p:sld xmlns:a="http://schemas.openxmlformats.org/drawingml/2006/main" xmlns:r="http://schemas.openxmlformats.org/officeDocument/2006/relationships" xmlns:p="http://schemas.openxmlformats.org/presentationml/2006/main">
+  <p:cSld>
+    <p:spTree>
+      <p:nvGrpSpPr>
+        <p:cNvPr id="1" name=""/>
+        <p:cNvGrpSpPr/>
+        <p:nvPr/>
+      </p:nvGrpSpPr>
+      <p:grpSpPr>
+        <a:xfrm>
+          <a:off x="0" y="0"/>
+          <a:ext cx="0" cy="0"/>
+          <a:chOff x="0" y="0"/>
+          <a:chExt cx="0" cy="0"/>
+        </a:xfrm>
+      </p:grpSpPr>
+      <p:sp>
+        <p:nvSpPr>
+          <p:cNvPr id="3" name="TextBox 2">
+            <a:extLst>
+              <a:ext uri="{FF2B5EF4-FFF2-40B4-BE49-F238E27FC236}">
+                <a16:creationId xmlns:a16="http://schemas.microsoft.com/office/drawing/2014/main" id="{410A7427-7D53-488B-9ACD-269637AF0862}"/>
+              </a:ext>
+            </a:extLst>
+          </p:cNvPr>
+          <p:cNvSpPr txBox="1"/>
+          <p:nvPr/>
+        </p:nvSpPr>
+        <p:spPr>
+          <a:xfrm>
+            <a:off x="0" y="0"/>
+            <a:ext cx="12192000" cy="5632311"/>
+          </a:xfrm>
+          <a:prstGeom prst="rect">
+            <a:avLst/>
+          </a:prstGeom>
+          <a:noFill/>
+        </p:spPr>
+        <p:txBody>
+          <a:bodyPr wrap="square">
+            <a:spAutoFit/>
+          </a:bodyPr>
+          <a:lstStyle/>
+          <a:p>
+            <a:r>
+              <a:rPr lang="en-US" dirty="0"/>
+              <a:t>Huge acquisition costs: As traditional knowledge in the food-tech sector suggests, initial cash burn marketing tactics should be used to bring in consumers and make presence visible. However, TinyOwl spent a huge amount of money on customer acquisition causing huge cash burn.</a:t>
+            </a:r>
+          </a:p>
+          <a:p>
+            <a:endParaRPr lang="en-US" dirty="0"/>
+          </a:p>
+          <a:p>
+            <a:r>
+              <a:rPr lang="en-US" dirty="0"/>
+              <a:t>  Dish-based aggregation failure: TinyOwl introduced a dish-based aggregation system (the app would display a particular ‘dish of the day’, followed by the places which served that dish). The attempt tanked with only three orders a day. This was attributed mainly to a lack of data analytics and artificial intelligence unable to gauge or handle the consumer market. </a:t>
+            </a:r>
+          </a:p>
+          <a:p>
+            <a:endParaRPr lang="en-US" dirty="0"/>
+          </a:p>
+          <a:p>
+            <a:r>
+              <a:rPr lang="en-US" dirty="0"/>
+              <a:t> Area-based aggregation failure: Introduction of a model that on an order of say coke, fries and burgers, would get all three from different restaurants. The scalability of the model was under question. The large logistical costs of the move were unrecoverable. </a:t>
+            </a:r>
+          </a:p>
+          <a:p>
+            <a:endParaRPr lang="en-US" dirty="0"/>
+          </a:p>
+          <a:p>
+            <a:r>
+              <a:rPr lang="en-US" dirty="0"/>
+              <a:t>Dissolution of only profit making arm: Homemade was TinyOwl’s amateur chef aggregation business and an entry into Fast Food 2.0. The only competition at the time was </a:t>
+            </a:r>
+            <a:r>
+              <a:rPr lang="en-US" dirty="0" err="1"/>
+              <a:t>Holachef</a:t>
+            </a:r>
+            <a:r>
+              <a:rPr lang="en-US" dirty="0"/>
+              <a:t>, and it was the only profit making arm of the parent company. </a:t>
+            </a:r>
+          </a:p>
+          <a:p>
+            <a:endParaRPr lang="en-US" dirty="0"/>
+          </a:p>
+          <a:p>
+            <a:r>
+              <a:rPr lang="en-US" dirty="0"/>
+              <a:t> Sudden retrenchment and failure of HR policy: Layoffs of more than half the workforce and giving out post-dated checks to employees created a bitter aftertaste. The bad press surrounding the mismanagement of employees did not help TinyOwl’s case.</a:t>
+            </a:r>
+          </a:p>
+          <a:p>
+            <a:endParaRPr lang="en-US" dirty="0"/>
+          </a:p>
+          <a:p>
+            <a:r>
+              <a:rPr lang="en-US" dirty="0"/>
+              <a:t>  Competition: At the time of TinyOwl’s entry, rival aggregator </a:t>
+            </a:r>
+            <a:r>
+              <a:rPr lang="en-US" dirty="0" err="1"/>
+              <a:t>Foodpanda</a:t>
+            </a:r>
+            <a:r>
+              <a:rPr lang="en-US" dirty="0"/>
+              <a:t> started heavy discounting (including discounts of ₹250 for a minimum order of ₹400). TinyOwl was not able to keep up</a:t>
+            </a:r>
+            <a:endParaRPr lang="en-IN" dirty="0"/>
+          </a:p>
+        </p:txBody>
+      </p:sp>
+    </p:spTree>
+    <p:extLst>
+      <p:ext uri="{BB962C8B-B14F-4D97-AF65-F5344CB8AC3E}">
+        <p14:creationId xmlns:p14="http://schemas.microsoft.com/office/powerpoint/2010/main" val="2110949349"/>
+      </p:ext>
+    </p:extLst>
+  </p:cSld>
+  <p:clrMapOvr>
+    <a:masterClrMapping/>
+  </p:clrMapOvr>
+</p:sld>
+</file>
+
+<file path=ppt/slides/slide8.xml><?xml version="1.0" encoding="utf-8"?>
+<p:sld xmlns:a="http://schemas.openxmlformats.org/drawingml/2006/main" xmlns:r="http://schemas.openxmlformats.org/officeDocument/2006/relationships" xmlns:p="http://schemas.openxmlformats.org/presentationml/2006/main">
+  <p:cSld>
+    <p:spTree>
+      <p:nvGrpSpPr>
+        <p:cNvPr id="1" name=""/>
+        <p:cNvGrpSpPr/>
+        <p:nvPr/>
+      </p:nvGrpSpPr>
+      <p:grpSpPr>
+        <a:xfrm>
+          <a:off x="0" y="0"/>
+          <a:ext cx="0" cy="0"/>
+          <a:chOff x="0" y="0"/>
+          <a:chExt cx="0" cy="0"/>
+        </a:xfrm>
+      </p:grpSpPr>
+      <p:sp>
+        <p:nvSpPr>
+          <p:cNvPr id="3" name="TextBox 2">
+            <a:extLst>
+              <a:ext uri="{FF2B5EF4-FFF2-40B4-BE49-F238E27FC236}">
+                <a16:creationId xmlns:a16="http://schemas.microsoft.com/office/drawing/2014/main" id="{666E6E09-D560-4027-B14D-CBB354B17C97}"/>
+              </a:ext>
+            </a:extLst>
+          </p:cNvPr>
+          <p:cNvSpPr txBox="1"/>
+          <p:nvPr/>
+        </p:nvSpPr>
+        <p:spPr>
+          <a:xfrm>
+            <a:off x="577514" y="198689"/>
+            <a:ext cx="11036968" cy="923330"/>
+          </a:xfrm>
+          <a:prstGeom prst="rect">
+            <a:avLst/>
+          </a:prstGeom>
+          <a:noFill/>
+        </p:spPr>
+        <p:txBody>
+          <a:bodyPr wrap="square">
+            <a:spAutoFit/>
+          </a:bodyPr>
+          <a:lstStyle/>
+          <a:p>
+            <a:pPr algn="l"/>
+            <a:r>
+              <a:rPr lang="en-US" b="0" i="0" dirty="0">
+                <a:solidFill>
+                  <a:srgbClr val="292929"/>
+                </a:solidFill>
+                <a:effectLst/>
+                <a:latin typeface="charter"/>
+              </a:rPr>
+              <a:t> Ever since it committed the sin of over-hiring, it was preparing for its destruction. Over-hiring is a common mistake with startups.</a:t>
+            </a:r>
+          </a:p>
+          <a:p>
+            <a:pPr algn="l"/>
+            <a:r>
+              <a:rPr lang="en-US" b="0" i="0" dirty="0">
+                <a:solidFill>
+                  <a:srgbClr val="292929"/>
+                </a:solidFill>
+                <a:effectLst/>
+                <a:latin typeface="charter"/>
+              </a:rPr>
+              <a:t>Though it fired 300 employees in September 2015, the already hidden misfortune continued to haunt.</a:t>
+            </a:r>
+          </a:p>
+        </p:txBody>
+      </p:sp>
+      <p:sp>
+        <p:nvSpPr>
+          <p:cNvPr id="5" name="TextBox 4">
+            <a:extLst>
+              <a:ext uri="{FF2B5EF4-FFF2-40B4-BE49-F238E27FC236}">
+                <a16:creationId xmlns:a16="http://schemas.microsoft.com/office/drawing/2014/main" id="{560DBBFE-FCC1-4DD1-982B-6D98D7D6626E}"/>
+              </a:ext>
+            </a:extLst>
+          </p:cNvPr>
+          <p:cNvSpPr txBox="1"/>
+          <p:nvPr/>
+        </p:nvSpPr>
+        <p:spPr>
+          <a:xfrm>
+            <a:off x="577514" y="1097273"/>
+            <a:ext cx="11036967" cy="646331"/>
+          </a:xfrm>
+          <a:prstGeom prst="rect">
+            <a:avLst/>
+          </a:prstGeom>
+          <a:noFill/>
+        </p:spPr>
+        <p:txBody>
+          <a:bodyPr wrap="square">
+            <a:spAutoFit/>
+          </a:bodyPr>
+          <a:lstStyle/>
+          <a:p>
+            <a:r>
+              <a:rPr lang="en-US" b="0" i="0" dirty="0">
+                <a:solidFill>
+                  <a:srgbClr val="292929"/>
+                </a:solidFill>
+                <a:effectLst/>
+                <a:latin typeface="charter"/>
+              </a:rPr>
+              <a:t> In November 2015, it initiated the second round of cuts. </a:t>
+            </a:r>
+            <a:r>
+              <a:rPr lang="en-US" b="0" i="0" dirty="0" err="1">
+                <a:solidFill>
+                  <a:srgbClr val="292929"/>
+                </a:solidFill>
+                <a:effectLst/>
+                <a:latin typeface="charter"/>
+              </a:rPr>
+              <a:t>Mandad</a:t>
+            </a:r>
+            <a:r>
+              <a:rPr lang="en-US" b="0" i="0" dirty="0">
+                <a:solidFill>
+                  <a:srgbClr val="292929"/>
+                </a:solidFill>
+                <a:effectLst/>
+                <a:latin typeface="charter"/>
+              </a:rPr>
+              <a:t> was advised not to retrench so close to Diwali. But the cuts were announced. And that was the second sin by TinyOwl.</a:t>
+            </a:r>
+            <a:endParaRPr lang="en-IN" dirty="0"/>
+          </a:p>
+        </p:txBody>
+      </p:sp>
+      <p:sp>
+        <p:nvSpPr>
+          <p:cNvPr id="7" name="TextBox 6">
+            <a:extLst>
+              <a:ext uri="{FF2B5EF4-FFF2-40B4-BE49-F238E27FC236}">
+                <a16:creationId xmlns:a16="http://schemas.microsoft.com/office/drawing/2014/main" id="{B5A47C4A-CA03-4C06-98FA-41A89CAC1B4D}"/>
+              </a:ext>
+            </a:extLst>
+          </p:cNvPr>
+          <p:cNvSpPr txBox="1"/>
+          <p:nvPr/>
+        </p:nvSpPr>
+        <p:spPr>
+          <a:xfrm>
+            <a:off x="577514" y="1743604"/>
+            <a:ext cx="11036967" cy="1200329"/>
+          </a:xfrm>
+          <a:prstGeom prst="rect">
+            <a:avLst/>
+          </a:prstGeom>
+          <a:noFill/>
+        </p:spPr>
+        <p:txBody>
+          <a:bodyPr wrap="square">
+            <a:spAutoFit/>
+          </a:bodyPr>
+          <a:lstStyle/>
+          <a:p>
+            <a:pPr algn="l"/>
+            <a:r>
+              <a:rPr lang="en-US" b="0" i="0" dirty="0">
+                <a:solidFill>
+                  <a:srgbClr val="292929"/>
+                </a:solidFill>
+                <a:effectLst/>
+                <a:latin typeface="charter"/>
+              </a:rPr>
+              <a:t>It went to do a dish-based aggregation system. That was like if you open the app — it will tell you what’s today’s dish, and would give you options on where you could order it from.</a:t>
+            </a:r>
+          </a:p>
+          <a:p>
+            <a:pPr algn="l"/>
+            <a:r>
+              <a:rPr lang="en-US" b="0" i="0" dirty="0">
+                <a:solidFill>
+                  <a:srgbClr val="292929"/>
+                </a:solidFill>
+                <a:effectLst/>
+                <a:latin typeface="charter"/>
+              </a:rPr>
+              <a:t>The idea turned wrong due to lack of technical aspects. There was hardly any artificial intelligence used, no data analytics were there and the pivot tanked with just less than five orders a day.</a:t>
+            </a:r>
+          </a:p>
+        </p:txBody>
+      </p:sp>
+      <p:sp>
+        <p:nvSpPr>
+          <p:cNvPr id="9" name="TextBox 8">
+            <a:extLst>
+              <a:ext uri="{FF2B5EF4-FFF2-40B4-BE49-F238E27FC236}">
+                <a16:creationId xmlns:a16="http://schemas.microsoft.com/office/drawing/2014/main" id="{702CC031-3D64-4E9B-BD4E-D11DE7A627C0}"/>
+              </a:ext>
+            </a:extLst>
+          </p:cNvPr>
+          <p:cNvSpPr txBox="1"/>
+          <p:nvPr/>
+        </p:nvSpPr>
+        <p:spPr>
+          <a:xfrm>
+            <a:off x="577513" y="2990738"/>
+            <a:ext cx="11036967" cy="646331"/>
+          </a:xfrm>
+          <a:prstGeom prst="rect">
+            <a:avLst/>
+          </a:prstGeom>
+          <a:noFill/>
+        </p:spPr>
+        <p:txBody>
+          <a:bodyPr wrap="square">
+            <a:spAutoFit/>
+          </a:bodyPr>
+          <a:lstStyle/>
+          <a:p>
+            <a:r>
+              <a:rPr lang="en-US" b="0" i="0" dirty="0">
+                <a:solidFill>
+                  <a:srgbClr val="292929"/>
+                </a:solidFill>
+                <a:effectLst/>
+                <a:latin typeface="charter"/>
+              </a:rPr>
+              <a:t>At the end of 2015, TinyOwl made its sin number four. It hired a chief technology officer. Akash Saxena joined Tiny Owl as its CTO for Rs 1.5 crores a year and a joining bonus of Rs 50 lakhs.</a:t>
+            </a:r>
+            <a:endParaRPr lang="en-IN" dirty="0"/>
+          </a:p>
+        </p:txBody>
+      </p:sp>
+      <p:sp>
+        <p:nvSpPr>
+          <p:cNvPr id="11" name="TextBox 10">
+            <a:extLst>
+              <a:ext uri="{FF2B5EF4-FFF2-40B4-BE49-F238E27FC236}">
+                <a16:creationId xmlns:a16="http://schemas.microsoft.com/office/drawing/2014/main" id="{63CCFF6F-E3A4-4B2C-8CBD-8BA331353B64}"/>
+              </a:ext>
+            </a:extLst>
+          </p:cNvPr>
+          <p:cNvSpPr txBox="1"/>
+          <p:nvPr/>
+        </p:nvSpPr>
+        <p:spPr>
+          <a:xfrm>
+            <a:off x="577513" y="3612323"/>
+            <a:ext cx="11036966" cy="1200329"/>
+          </a:xfrm>
+          <a:prstGeom prst="rect">
+            <a:avLst/>
+          </a:prstGeom>
+          <a:noFill/>
+        </p:spPr>
+        <p:txBody>
+          <a:bodyPr wrap="square">
+            <a:spAutoFit/>
+          </a:bodyPr>
+          <a:lstStyle/>
+          <a:p>
+            <a:pPr algn="l"/>
+            <a:r>
+              <a:rPr lang="en-US" b="0" i="0" dirty="0">
+                <a:solidFill>
+                  <a:srgbClr val="292929"/>
+                </a:solidFill>
+                <a:effectLst/>
+                <a:latin typeface="charter"/>
+              </a:rPr>
+              <a:t> Right at the beginning of 2016, it began preparation for sin number five — An area-based food aggregation, similar to what </a:t>
+            </a:r>
+            <a:r>
+              <a:rPr lang="en-US" b="0" i="0" dirty="0" err="1">
+                <a:solidFill>
+                  <a:srgbClr val="292929"/>
+                </a:solidFill>
+                <a:effectLst/>
+                <a:latin typeface="charter"/>
+              </a:rPr>
+              <a:t>Grofers</a:t>
+            </a:r>
+            <a:r>
+              <a:rPr lang="en-US" b="0" i="0" dirty="0">
+                <a:solidFill>
+                  <a:srgbClr val="292929"/>
+                </a:solidFill>
+                <a:effectLst/>
+                <a:latin typeface="charter"/>
+              </a:rPr>
+              <a:t> runs in the grocery.</a:t>
+            </a:r>
+          </a:p>
+          <a:p>
+            <a:pPr algn="l"/>
+            <a:r>
+              <a:rPr lang="en-US" b="0" i="0" dirty="0">
+                <a:solidFill>
+                  <a:srgbClr val="292929"/>
+                </a:solidFill>
+                <a:effectLst/>
+                <a:latin typeface="charter"/>
+              </a:rPr>
+              <a:t>In this model, TinyOwl had to pay for the logistics of gathering the food from various restaurants. That cost too much for the poor kid.</a:t>
+            </a:r>
+          </a:p>
+        </p:txBody>
+      </p:sp>
+      <p:sp>
+        <p:nvSpPr>
+          <p:cNvPr id="13" name="TextBox 12">
+            <a:extLst>
+              <a:ext uri="{FF2B5EF4-FFF2-40B4-BE49-F238E27FC236}">
+                <a16:creationId xmlns:a16="http://schemas.microsoft.com/office/drawing/2014/main" id="{A04440AC-18F8-4606-BF91-0114C24E3789}"/>
+              </a:ext>
+            </a:extLst>
+          </p:cNvPr>
+          <p:cNvSpPr txBox="1"/>
+          <p:nvPr/>
+        </p:nvSpPr>
+        <p:spPr>
+          <a:xfrm>
+            <a:off x="577513" y="4891562"/>
+            <a:ext cx="11036966" cy="646331"/>
+          </a:xfrm>
+          <a:prstGeom prst="rect">
+            <a:avLst/>
+          </a:prstGeom>
+          <a:noFill/>
+        </p:spPr>
+        <p:txBody>
+          <a:bodyPr wrap="square">
+            <a:spAutoFit/>
+          </a:bodyPr>
+          <a:lstStyle/>
+          <a:p>
+            <a:r>
+              <a:rPr lang="en-US" b="0" i="0" dirty="0">
+                <a:solidFill>
+                  <a:srgbClr val="292929"/>
+                </a:solidFill>
+                <a:effectLst/>
+                <a:latin typeface="charter"/>
+              </a:rPr>
+              <a:t>For the area-based food aggregation plan, more cash was required and all head of the departments were told to find new jobs. Thus Homemade, the only arm of TinyOwl broke and dissolved.</a:t>
+            </a:r>
+            <a:endParaRPr lang="en-IN" dirty="0"/>
+          </a:p>
+        </p:txBody>
+      </p:sp>
+    </p:spTree>
+    <p:extLst>
+      <p:ext uri="{BB962C8B-B14F-4D97-AF65-F5344CB8AC3E}">
+        <p14:creationId xmlns:p14="http://schemas.microsoft.com/office/powerpoint/2010/main" val="3857551716"/>
+      </p:ext>
+    </p:extLst>
+  </p:cSld>
+  <p:clrMapOvr>
+    <a:masterClrMapping/>
+  </p:clrMapOvr>
+</p:sld>
+</file>
+
 <file path=ppt/slides/slide9.xml><?xml version="1.0" encoding="utf-8"?>
 <p:sld xmlns:a="http://schemas.openxmlformats.org/drawingml/2006/main" xmlns:r="http://schemas.openxmlformats.org/officeDocument/2006/relationships" xmlns:p="http://schemas.openxmlformats.org/presentationml/2006/main">
   <p:cSld>
@@ -5898,10 +5961,243 @@
           <a:chExt cx="0" cy="0"/>
         </a:xfrm>
       </p:grpSpPr>
+      <p:sp>
+        <p:nvSpPr>
+          <p:cNvPr id="3" name="TextBox 2">
+            <a:extLst>
+              <a:ext uri="{FF2B5EF4-FFF2-40B4-BE49-F238E27FC236}">
+                <a16:creationId xmlns:a16="http://schemas.microsoft.com/office/drawing/2014/main" id="{7374E476-D0B8-4A3B-8B42-AB010831E968}"/>
+              </a:ext>
+            </a:extLst>
+          </p:cNvPr>
+          <p:cNvSpPr txBox="1"/>
+          <p:nvPr/>
+        </p:nvSpPr>
+        <p:spPr>
+          <a:xfrm>
+            <a:off x="200526" y="244109"/>
+            <a:ext cx="11790947" cy="5355312"/>
+          </a:xfrm>
+          <a:prstGeom prst="rect">
+            <a:avLst/>
+          </a:prstGeom>
+          <a:noFill/>
+        </p:spPr>
+        <p:txBody>
+          <a:bodyPr wrap="square">
+            <a:spAutoFit/>
+          </a:bodyPr>
+          <a:lstStyle/>
+          <a:p>
+            <a:pPr algn="l"/>
+            <a:r>
+              <a:rPr lang="en-US" b="1" i="0" dirty="0">
+                <a:solidFill>
+                  <a:srgbClr val="292929"/>
+                </a:solidFill>
+                <a:effectLst/>
+                <a:latin typeface="charter"/>
+              </a:rPr>
+              <a:t>Only the Mumbai division was kept alive</a:t>
+            </a:r>
+            <a:endParaRPr lang="en-US" b="0" i="0" dirty="0">
+              <a:solidFill>
+                <a:srgbClr val="292929"/>
+              </a:solidFill>
+              <a:effectLst/>
+              <a:latin typeface="charter"/>
+            </a:endParaRPr>
+          </a:p>
+          <a:p>
+            <a:pPr algn="l"/>
+            <a:r>
+              <a:rPr lang="en-US" b="0" i="0" dirty="0">
+                <a:solidFill>
+                  <a:srgbClr val="292929"/>
+                </a:solidFill>
+                <a:effectLst/>
+                <a:latin typeface="charter"/>
+              </a:rPr>
+              <a:t>With a negative profit margin, high costs of delivery and customer acquisition, the overstaffed and lavish offices began mass layoffs. It soon had to shut down operations in every city except Mumbai.</a:t>
+            </a:r>
+          </a:p>
+          <a:p>
+            <a:pPr algn="l"/>
+            <a:r>
+              <a:rPr lang="en-US" b="0" i="0" dirty="0">
+                <a:solidFill>
+                  <a:srgbClr val="292929"/>
+                </a:solidFill>
+                <a:effectLst/>
+                <a:latin typeface="charter"/>
+              </a:rPr>
+              <a:t>Later, the company reports said it would only be active temporarily in Mumbai. The app didn’t let users access restaurants listed either in Delhi or Bangalore, its two other big markets.</a:t>
+            </a:r>
+          </a:p>
+          <a:p>
+            <a:pPr algn="l"/>
+            <a:r>
+              <a:rPr lang="en-US" b="0" i="0" dirty="0">
+                <a:solidFill>
+                  <a:srgbClr val="292929"/>
+                </a:solidFill>
+                <a:effectLst/>
+                <a:latin typeface="charter"/>
+              </a:rPr>
+              <a:t>There was a split between the founders and they left to different places. The breakdown in the relationship between employees and founders was well visible.</a:t>
+            </a:r>
+          </a:p>
+          <a:p>
+            <a:pPr algn="l"/>
+            <a:r>
+              <a:rPr lang="en-US" b="0" i="0" dirty="0">
+                <a:solidFill>
+                  <a:srgbClr val="292929"/>
+                </a:solidFill>
+                <a:effectLst/>
+                <a:latin typeface="charter"/>
+              </a:rPr>
+              <a:t>Fundraising then became a nightmare for TinyOwl. </a:t>
+            </a:r>
+            <a:r>
+              <a:rPr lang="en-US" b="0" i="0" dirty="0" err="1">
+                <a:solidFill>
+                  <a:srgbClr val="292929"/>
+                </a:solidFill>
+                <a:effectLst/>
+                <a:latin typeface="charter"/>
+              </a:rPr>
+              <a:t>Mandad</a:t>
+            </a:r>
+            <a:r>
+              <a:rPr lang="en-US" b="0" i="0" dirty="0">
+                <a:solidFill>
+                  <a:srgbClr val="292929"/>
+                </a:solidFill>
+                <a:effectLst/>
+                <a:latin typeface="charter"/>
+              </a:rPr>
+              <a:t> approached investors from across the world. Nobody was keen on funding the company. He then started approaching its rivals to buy out a portion of the company.</a:t>
+            </a:r>
+          </a:p>
+          <a:p>
+            <a:pPr algn="l"/>
+            <a:r>
+              <a:rPr lang="en-US" b="0" i="0" dirty="0">
+                <a:solidFill>
+                  <a:srgbClr val="292929"/>
+                </a:solidFill>
+                <a:effectLst/>
+                <a:latin typeface="charter"/>
+              </a:rPr>
+              <a:t>After an all-stock deal with the logistics startup Roadrunner, In May 2016, TinyOwl announced its merger. The two companies had mutual investors Sequoia Capital and Nexus Venture Partners.</a:t>
+            </a:r>
+          </a:p>
+          <a:p>
+            <a:pPr algn="l"/>
+            <a:r>
+              <a:rPr lang="en-US" b="0" i="0" dirty="0">
+                <a:solidFill>
+                  <a:srgbClr val="292929"/>
+                </a:solidFill>
+                <a:effectLst/>
+                <a:latin typeface="charter"/>
+              </a:rPr>
+              <a:t>The merged company now called </a:t>
+            </a:r>
+            <a:r>
+              <a:rPr lang="en-US" b="0" i="0" dirty="0" err="1">
+                <a:solidFill>
+                  <a:srgbClr val="292929"/>
+                </a:solidFill>
+                <a:effectLst/>
+                <a:latin typeface="charter"/>
+              </a:rPr>
+              <a:t>Runnr</a:t>
+            </a:r>
+            <a:r>
+              <a:rPr lang="en-US" b="0" i="0" dirty="0">
+                <a:solidFill>
+                  <a:srgbClr val="292929"/>
+                </a:solidFill>
+                <a:effectLst/>
+                <a:latin typeface="charter"/>
+              </a:rPr>
+              <a:t> itself was facing operational problems. It currently operates in Bangalore and Mumbai. Due to the high costs of running an operations-heavy business, </a:t>
+            </a:r>
+            <a:r>
+              <a:rPr lang="en-US" b="0" i="0" dirty="0" err="1">
+                <a:solidFill>
+                  <a:srgbClr val="292929"/>
+                </a:solidFill>
+                <a:effectLst/>
+                <a:latin typeface="charter"/>
+              </a:rPr>
+              <a:t>Runnr</a:t>
+            </a:r>
+            <a:r>
+              <a:rPr lang="en-US" b="0" i="0" dirty="0">
+                <a:solidFill>
+                  <a:srgbClr val="292929"/>
+                </a:solidFill>
+                <a:effectLst/>
+                <a:latin typeface="charter"/>
+              </a:rPr>
+              <a:t> continues struggling for its existence in a market dominated by food tech giants like </a:t>
+            </a:r>
+            <a:r>
+              <a:rPr lang="en-US" b="0" i="0" dirty="0" err="1">
+                <a:solidFill>
+                  <a:srgbClr val="292929"/>
+                </a:solidFill>
+                <a:effectLst/>
+                <a:latin typeface="charter"/>
+              </a:rPr>
+              <a:t>Swiggy</a:t>
+            </a:r>
+            <a:r>
+              <a:rPr lang="en-US" b="0" i="0" dirty="0">
+                <a:solidFill>
+                  <a:srgbClr val="292929"/>
+                </a:solidFill>
+                <a:effectLst/>
+                <a:latin typeface="charter"/>
+              </a:rPr>
+              <a:t> and Zomato.</a:t>
+            </a:r>
+          </a:p>
+          <a:p>
+            <a:pPr algn="l"/>
+            <a:r>
+              <a:rPr lang="en-US" b="0" i="0" dirty="0">
+                <a:solidFill>
+                  <a:srgbClr val="292929"/>
+                </a:solidFill>
+                <a:effectLst/>
+                <a:latin typeface="charter"/>
+              </a:rPr>
+              <a:t>Thus the Mumbai-based food tech business flew high and fell deep on the back of a few bad decisions. It failed to sustain amidst of chaos.</a:t>
+            </a:r>
+          </a:p>
+          <a:p>
+            <a:pPr algn="l"/>
+            <a:r>
+              <a:rPr lang="en-US" b="0" i="0" dirty="0">
+                <a:solidFill>
+                  <a:srgbClr val="292929"/>
+                </a:solidFill>
+                <a:effectLst/>
+                <a:latin typeface="charter"/>
+              </a:rPr>
+              <a:t>There are many startups out there that had to withdraw on their midway. The rise and fall of TinyOwl set a lesson to be learnt for the Indian startup community. The challenges and inefficiencies in running an operations-intensive business were quite evident in its miserable fate.</a:t>
+            </a:r>
+          </a:p>
+        </p:txBody>
+      </p:sp>
     </p:spTree>
     <p:extLst>
       <p:ext uri="{BB962C8B-B14F-4D97-AF65-F5344CB8AC3E}">
-        <p14:creationId xmlns:p14="http://schemas.microsoft.com/office/powerpoint/2010/main" val="718522690"/>
+        <p14:creationId xmlns:p14="http://schemas.microsoft.com/office/powerpoint/2010/main" val="2119521124"/>
       </p:ext>
     </p:extLst>
   </p:cSld>
